--- a/INFM600_0201_Exceptional_Presentation/INFM600_0201_TeamExceptional_Presentation.pptx
+++ b/INFM600_0201_Exceptional_Presentation/INFM600_0201_TeamExceptional_Presentation.pptx
@@ -50,24 +50,24 @@
   <p:notesSz cx="6858000" cy="9144000"/>
   <p:embeddedFontLst>
     <p:embeddedFont>
-      <p:font typeface="Montserrat" panose="020B0604020202020204" charset="0"/>
+      <p:font typeface="宋体" panose="02010600030101010101" pitchFamily="2" charset="-122"/>
       <p:regular r:id="rId38"/>
-      <p:bold r:id="rId39"/>
     </p:embeddedFont>
     <p:embeddedFont>
       <p:font typeface="Impact" panose="020B0806030902050204" pitchFamily="34" charset="0"/>
+      <p:regular r:id="rId39"/>
+    </p:embeddedFont>
+    <p:embeddedFont>
+      <p:font typeface="Montserrat" panose="020B0604020202020204" charset="0"/>
       <p:regular r:id="rId40"/>
+      <p:bold r:id="rId41"/>
     </p:embeddedFont>
     <p:embeddedFont>
       <p:font typeface="Raleway" panose="020B0604020202020204" charset="0"/>
-      <p:regular r:id="rId41"/>
-      <p:bold r:id="rId42"/>
-      <p:italic r:id="rId43"/>
-      <p:boldItalic r:id="rId44"/>
-    </p:embeddedFont>
-    <p:embeddedFont>
-      <p:font typeface="宋体" panose="02010600030101010101" pitchFamily="2" charset="-122"/>
-      <p:regular r:id="rId45"/>
+      <p:regular r:id="rId42"/>
+      <p:bold r:id="rId43"/>
+      <p:italic r:id="rId44"/>
+      <p:boldItalic r:id="rId45"/>
     </p:embeddedFont>
   </p:embeddedFontLst>
   <p:defaultTextStyle>
@@ -362,7 +362,7 @@
           <a:p>
             <a:fld id="{5CAC470B-2399-4D78-ACDF-AD34EE799DEB}" type="datetimeFigureOut">
               <a:rPr lang="en-US" smtClean="0"/>
-              <a:t>12/13/2016</a:t>
+              <a:t>12/14/2016</a:t>
             </a:fld>
             <a:endParaRPr lang="en-US"/>
           </a:p>
@@ -10572,11 +10572,7 @@
             </a:pPr>
             <a:r>
               <a:rPr lang="en" sz="2000" b="1" dirty="0" smtClean="0"/>
-              <a:t>Target </a:t>
-            </a:r>
-            <a:r>
-              <a:rPr lang="en" sz="2000" b="1" dirty="0" smtClean="0"/>
-              <a:t>Audience</a:t>
+              <a:t>Target Audience</a:t>
             </a:r>
             <a:endParaRPr lang="en" dirty="0" smtClean="0"/>
           </a:p>
@@ -10824,14 +10820,14 @@
                 <a:gridCol w="1745015">
                   <a:extLst>
                     <a:ext uri="{9D8B030D-6E8A-4147-A177-3AD203B41FA5}">
-                      <a16:colId xmlns="" xmlns:a16="http://schemas.microsoft.com/office/drawing/2014/main" val="2361743000"/>
+                      <a16:colId xmlns:a16="http://schemas.microsoft.com/office/drawing/2014/main" xmlns="" val="2361743000"/>
                     </a:ext>
                   </a:extLst>
                 </a:gridCol>
                 <a:gridCol w="2583561">
                   <a:extLst>
                     <a:ext uri="{9D8B030D-6E8A-4147-A177-3AD203B41FA5}">
-                      <a16:colId xmlns="" xmlns:a16="http://schemas.microsoft.com/office/drawing/2014/main" val="3772453341"/>
+                      <a16:colId xmlns:a16="http://schemas.microsoft.com/office/drawing/2014/main" xmlns="" val="3772453341"/>
                     </a:ext>
                   </a:extLst>
                 </a:gridCol>
@@ -10881,7 +10877,7 @@
                 </a:tc>
                 <a:extLst>
                   <a:ext uri="{0D108BD9-81ED-4DB2-BD59-A6C34878D82A}">
-                    <a16:rowId xmlns="" xmlns:a16="http://schemas.microsoft.com/office/drawing/2014/main" val="923538723"/>
+                    <a16:rowId xmlns:a16="http://schemas.microsoft.com/office/drawing/2014/main" xmlns="" val="923538723"/>
                   </a:ext>
                 </a:extLst>
               </a:tr>
@@ -10930,7 +10926,7 @@
                 </a:tc>
                 <a:extLst>
                   <a:ext uri="{0D108BD9-81ED-4DB2-BD59-A6C34878D82A}">
-                    <a16:rowId xmlns="" xmlns:a16="http://schemas.microsoft.com/office/drawing/2014/main" val="1469645383"/>
+                    <a16:rowId xmlns:a16="http://schemas.microsoft.com/office/drawing/2014/main" xmlns="" val="1469645383"/>
                   </a:ext>
                 </a:extLst>
               </a:tr>
@@ -10979,7 +10975,7 @@
                 </a:tc>
                 <a:extLst>
                   <a:ext uri="{0D108BD9-81ED-4DB2-BD59-A6C34878D82A}">
-                    <a16:rowId xmlns="" xmlns:a16="http://schemas.microsoft.com/office/drawing/2014/main" val="714530110"/>
+                    <a16:rowId xmlns:a16="http://schemas.microsoft.com/office/drawing/2014/main" xmlns="" val="714530110"/>
                   </a:ext>
                 </a:extLst>
               </a:tr>
@@ -11028,7 +11024,7 @@
                 </a:tc>
                 <a:extLst>
                   <a:ext uri="{0D108BD9-81ED-4DB2-BD59-A6C34878D82A}">
-                    <a16:rowId xmlns="" xmlns:a16="http://schemas.microsoft.com/office/drawing/2014/main" val="294281599"/>
+                    <a16:rowId xmlns:a16="http://schemas.microsoft.com/office/drawing/2014/main" xmlns="" val="294281599"/>
                   </a:ext>
                 </a:extLst>
               </a:tr>
@@ -11077,7 +11073,7 @@
                 </a:tc>
                 <a:extLst>
                   <a:ext uri="{0D108BD9-81ED-4DB2-BD59-A6C34878D82A}">
-                    <a16:rowId xmlns="" xmlns:a16="http://schemas.microsoft.com/office/drawing/2014/main" val="3240681485"/>
+                    <a16:rowId xmlns:a16="http://schemas.microsoft.com/office/drawing/2014/main" xmlns="" val="3240681485"/>
                   </a:ext>
                 </a:extLst>
               </a:tr>
@@ -11126,7 +11122,7 @@
                 </a:tc>
                 <a:extLst>
                   <a:ext uri="{0D108BD9-81ED-4DB2-BD59-A6C34878D82A}">
-                    <a16:rowId xmlns="" xmlns:a16="http://schemas.microsoft.com/office/drawing/2014/main" val="2714883648"/>
+                    <a16:rowId xmlns:a16="http://schemas.microsoft.com/office/drawing/2014/main" xmlns="" val="2714883648"/>
                   </a:ext>
                 </a:extLst>
               </a:tr>
@@ -11175,7 +11171,7 @@
                 </a:tc>
                 <a:extLst>
                   <a:ext uri="{0D108BD9-81ED-4DB2-BD59-A6C34878D82A}">
-                    <a16:rowId xmlns="" xmlns:a16="http://schemas.microsoft.com/office/drawing/2014/main" val="3272895296"/>
+                    <a16:rowId xmlns:a16="http://schemas.microsoft.com/office/drawing/2014/main" xmlns="" val="3272895296"/>
                   </a:ext>
                 </a:extLst>
               </a:tr>
@@ -11224,7 +11220,7 @@
                 </a:tc>
                 <a:extLst>
                   <a:ext uri="{0D108BD9-81ED-4DB2-BD59-A6C34878D82A}">
-                    <a16:rowId xmlns="" xmlns:a16="http://schemas.microsoft.com/office/drawing/2014/main" val="468943959"/>
+                    <a16:rowId xmlns:a16="http://schemas.microsoft.com/office/drawing/2014/main" xmlns="" val="468943959"/>
                   </a:ext>
                 </a:extLst>
               </a:tr>
@@ -11273,7 +11269,7 @@
                 </a:tc>
                 <a:extLst>
                   <a:ext uri="{0D108BD9-81ED-4DB2-BD59-A6C34878D82A}">
-                    <a16:rowId xmlns="" xmlns:a16="http://schemas.microsoft.com/office/drawing/2014/main" val="1693820215"/>
+                    <a16:rowId xmlns:a16="http://schemas.microsoft.com/office/drawing/2014/main" xmlns="" val="1693820215"/>
                   </a:ext>
                 </a:extLst>
               </a:tr>
@@ -11322,7 +11318,7 @@
                 </a:tc>
                 <a:extLst>
                   <a:ext uri="{0D108BD9-81ED-4DB2-BD59-A6C34878D82A}">
-                    <a16:rowId xmlns="" xmlns:a16="http://schemas.microsoft.com/office/drawing/2014/main" val="2614771564"/>
+                    <a16:rowId xmlns:a16="http://schemas.microsoft.com/office/drawing/2014/main" xmlns="" val="2614771564"/>
                   </a:ext>
                 </a:extLst>
               </a:tr>
@@ -11371,7 +11367,7 @@
                 </a:tc>
                 <a:extLst>
                   <a:ext uri="{0D108BD9-81ED-4DB2-BD59-A6C34878D82A}">
-                    <a16:rowId xmlns="" xmlns:a16="http://schemas.microsoft.com/office/drawing/2014/main" val="2920325098"/>
+                    <a16:rowId xmlns:a16="http://schemas.microsoft.com/office/drawing/2014/main" xmlns="" val="2920325098"/>
                   </a:ext>
                 </a:extLst>
               </a:tr>
@@ -11448,10 +11444,10 @@
               <a:buNone/>
             </a:pPr>
             <a:fld id="{00000000-1234-1234-1234-123412341234}" type="slidenum">
-              <a:rPr lang="en"/>
+              <a:rPr lang="en" b="1"/>
               <a:t>21</a:t>
             </a:fld>
-            <a:endParaRPr lang="en"/>
+            <a:endParaRPr lang="en" b="1"/>
           </a:p>
         </p:txBody>
       </p:sp>
@@ -11479,6 +11475,426 @@
           </a:prstGeom>
         </p:spPr>
       </p:pic>
+      <p:sp>
+        <p:nvSpPr>
+          <p:cNvPr id="2" name="TextBox 1"/>
+          <p:cNvSpPr txBox="1"/>
+          <p:nvPr/>
+        </p:nvSpPr>
+        <p:spPr>
+          <a:xfrm>
+            <a:off x="814181" y="2660698"/>
+            <a:ext cx="383438" cy="307777"/>
+          </a:xfrm>
+          <a:prstGeom prst="rect">
+            <a:avLst/>
+          </a:prstGeom>
+          <a:noFill/>
+        </p:spPr>
+        <p:txBody>
+          <a:bodyPr wrap="none" rtlCol="0">
+            <a:spAutoFit/>
+          </a:bodyPr>
+          <a:lstStyle/>
+          <a:p>
+            <a:r>
+              <a:rPr lang="en-IN" b="1" dirty="0" smtClean="0"/>
+              <a:t>13</a:t>
+            </a:r>
+            <a:endParaRPr lang="en-US" b="1" dirty="0"/>
+          </a:p>
+        </p:txBody>
+      </p:sp>
+      <p:sp>
+        <p:nvSpPr>
+          <p:cNvPr id="7" name="TextBox 6"/>
+          <p:cNvSpPr txBox="1"/>
+          <p:nvPr/>
+        </p:nvSpPr>
+        <p:spPr>
+          <a:xfrm>
+            <a:off x="1461595" y="427408"/>
+            <a:ext cx="284052" cy="307777"/>
+          </a:xfrm>
+          <a:prstGeom prst="rect">
+            <a:avLst/>
+          </a:prstGeom>
+          <a:noFill/>
+        </p:spPr>
+        <p:txBody>
+          <a:bodyPr wrap="none" rtlCol="0">
+            <a:spAutoFit/>
+          </a:bodyPr>
+          <a:lstStyle/>
+          <a:p>
+            <a:r>
+              <a:rPr lang="en-IN" b="1" dirty="0"/>
+              <a:t>3</a:t>
+            </a:r>
+            <a:endParaRPr lang="en-US" b="1" dirty="0"/>
+          </a:p>
+        </p:txBody>
+      </p:sp>
+      <p:sp>
+        <p:nvSpPr>
+          <p:cNvPr id="8" name="TextBox 7"/>
+          <p:cNvSpPr txBox="1"/>
+          <p:nvPr/>
+        </p:nvSpPr>
+        <p:spPr>
+          <a:xfrm>
+            <a:off x="2025360" y="2084328"/>
+            <a:ext cx="383438" cy="307777"/>
+          </a:xfrm>
+          <a:prstGeom prst="rect">
+            <a:avLst/>
+          </a:prstGeom>
+          <a:noFill/>
+        </p:spPr>
+        <p:txBody>
+          <a:bodyPr wrap="none" rtlCol="0">
+            <a:spAutoFit/>
+          </a:bodyPr>
+          <a:lstStyle/>
+          <a:p>
+            <a:r>
+              <a:rPr lang="en-IN" b="1" dirty="0" smtClean="0"/>
+              <a:t>16</a:t>
+            </a:r>
+            <a:endParaRPr lang="en-US" b="1" dirty="0"/>
+          </a:p>
+        </p:txBody>
+      </p:sp>
+      <p:sp>
+        <p:nvSpPr>
+          <p:cNvPr id="9" name="TextBox 8"/>
+          <p:cNvSpPr txBox="1"/>
+          <p:nvPr/>
+        </p:nvSpPr>
+        <p:spPr>
+          <a:xfrm>
+            <a:off x="2554749" y="2588709"/>
+            <a:ext cx="284052" cy="307777"/>
+          </a:xfrm>
+          <a:prstGeom prst="rect">
+            <a:avLst/>
+          </a:prstGeom>
+          <a:noFill/>
+        </p:spPr>
+        <p:txBody>
+          <a:bodyPr wrap="none" rtlCol="0">
+            <a:spAutoFit/>
+          </a:bodyPr>
+          <a:lstStyle/>
+          <a:p>
+            <a:r>
+              <a:rPr lang="en-IN" b="1" dirty="0" smtClean="0"/>
+              <a:t>2</a:t>
+            </a:r>
+            <a:endParaRPr lang="en-US" b="1" dirty="0"/>
+          </a:p>
+        </p:txBody>
+      </p:sp>
+      <p:sp>
+        <p:nvSpPr>
+          <p:cNvPr id="10" name="TextBox 9"/>
+          <p:cNvSpPr txBox="1"/>
+          <p:nvPr/>
+        </p:nvSpPr>
+        <p:spPr>
+          <a:xfrm>
+            <a:off x="3146016" y="1472436"/>
+            <a:ext cx="383438" cy="307777"/>
+          </a:xfrm>
+          <a:prstGeom prst="rect">
+            <a:avLst/>
+          </a:prstGeom>
+          <a:noFill/>
+        </p:spPr>
+        <p:txBody>
+          <a:bodyPr wrap="none" rtlCol="0">
+            <a:spAutoFit/>
+          </a:bodyPr>
+          <a:lstStyle/>
+          <a:p>
+            <a:r>
+              <a:rPr lang="en-IN" b="1" dirty="0" smtClean="0"/>
+              <a:t>28</a:t>
+            </a:r>
+            <a:endParaRPr lang="en-US" b="1" dirty="0"/>
+          </a:p>
+        </p:txBody>
+      </p:sp>
+      <p:sp>
+        <p:nvSpPr>
+          <p:cNvPr id="11" name="TextBox 10"/>
+          <p:cNvSpPr txBox="1"/>
+          <p:nvPr/>
+        </p:nvSpPr>
+        <p:spPr>
+          <a:xfrm>
+            <a:off x="3764970" y="2281901"/>
+            <a:ext cx="284052" cy="307777"/>
+          </a:xfrm>
+          <a:prstGeom prst="rect">
+            <a:avLst/>
+          </a:prstGeom>
+          <a:noFill/>
+        </p:spPr>
+        <p:txBody>
+          <a:bodyPr wrap="none" rtlCol="0">
+            <a:spAutoFit/>
+          </a:bodyPr>
+          <a:lstStyle/>
+          <a:p>
+            <a:r>
+              <a:rPr lang="en-IN" b="1" dirty="0" smtClean="0"/>
+              <a:t>1</a:t>
+            </a:r>
+            <a:endParaRPr lang="en-US" b="1" dirty="0"/>
+          </a:p>
+        </p:txBody>
+      </p:sp>
+      <p:sp>
+        <p:nvSpPr>
+          <p:cNvPr id="12" name="TextBox 11"/>
+          <p:cNvSpPr txBox="1"/>
+          <p:nvPr/>
+        </p:nvSpPr>
+        <p:spPr>
+          <a:xfrm>
+            <a:off x="4328548" y="888045"/>
+            <a:ext cx="383438" cy="307777"/>
+          </a:xfrm>
+          <a:prstGeom prst="rect">
+            <a:avLst/>
+          </a:prstGeom>
+          <a:noFill/>
+        </p:spPr>
+        <p:txBody>
+          <a:bodyPr wrap="none" rtlCol="0">
+            <a:spAutoFit/>
+          </a:bodyPr>
+          <a:lstStyle/>
+          <a:p>
+            <a:r>
+              <a:rPr lang="en-IN" b="1" dirty="0" smtClean="0"/>
+              <a:t>18</a:t>
+            </a:r>
+            <a:endParaRPr lang="en-US" b="1" dirty="0"/>
+          </a:p>
+        </p:txBody>
+      </p:sp>
+      <p:sp>
+        <p:nvSpPr>
+          <p:cNvPr id="13" name="TextBox 12"/>
+          <p:cNvSpPr txBox="1"/>
+          <p:nvPr/>
+        </p:nvSpPr>
+        <p:spPr>
+          <a:xfrm>
+            <a:off x="4882253" y="2936131"/>
+            <a:ext cx="284052" cy="307777"/>
+          </a:xfrm>
+          <a:prstGeom prst="rect">
+            <a:avLst/>
+          </a:prstGeom>
+          <a:noFill/>
+        </p:spPr>
+        <p:txBody>
+          <a:bodyPr wrap="none" rtlCol="0">
+            <a:spAutoFit/>
+          </a:bodyPr>
+          <a:lstStyle/>
+          <a:p>
+            <a:r>
+              <a:rPr lang="en-IN" b="1" dirty="0" smtClean="0"/>
+              <a:t>1</a:t>
+            </a:r>
+            <a:endParaRPr lang="en-US" b="1" dirty="0"/>
+          </a:p>
+        </p:txBody>
+      </p:sp>
+      <p:sp>
+        <p:nvSpPr>
+          <p:cNvPr id="14" name="TextBox 13"/>
+          <p:cNvSpPr txBox="1"/>
+          <p:nvPr/>
+        </p:nvSpPr>
+        <p:spPr>
+          <a:xfrm>
+            <a:off x="5421703" y="1726818"/>
+            <a:ext cx="284052" cy="307777"/>
+          </a:xfrm>
+          <a:prstGeom prst="rect">
+            <a:avLst/>
+          </a:prstGeom>
+          <a:noFill/>
+        </p:spPr>
+        <p:txBody>
+          <a:bodyPr wrap="none" rtlCol="0">
+            <a:spAutoFit/>
+          </a:bodyPr>
+          <a:lstStyle/>
+          <a:p>
+            <a:r>
+              <a:rPr lang="en-IN" b="1" dirty="0" smtClean="0"/>
+              <a:t>1</a:t>
+            </a:r>
+            <a:endParaRPr lang="en-US" b="1" dirty="0"/>
+          </a:p>
+        </p:txBody>
+      </p:sp>
+      <p:sp>
+        <p:nvSpPr>
+          <p:cNvPr id="15" name="TextBox 14"/>
+          <p:cNvSpPr txBox="1"/>
+          <p:nvPr/>
+        </p:nvSpPr>
+        <p:spPr>
+          <a:xfrm>
+            <a:off x="6033969" y="2281901"/>
+            <a:ext cx="284052" cy="307777"/>
+          </a:xfrm>
+          <a:prstGeom prst="rect">
+            <a:avLst/>
+          </a:prstGeom>
+          <a:noFill/>
+        </p:spPr>
+        <p:txBody>
+          <a:bodyPr wrap="none" rtlCol="0">
+            <a:spAutoFit/>
+          </a:bodyPr>
+          <a:lstStyle/>
+          <a:p>
+            <a:r>
+              <a:rPr lang="en-IN" b="1" dirty="0" smtClean="0"/>
+              <a:t>3</a:t>
+            </a:r>
+            <a:endParaRPr lang="en-US" b="1" dirty="0"/>
+          </a:p>
+        </p:txBody>
+      </p:sp>
+      <p:sp>
+        <p:nvSpPr>
+          <p:cNvPr id="16" name="TextBox 15"/>
+          <p:cNvSpPr txBox="1"/>
+          <p:nvPr/>
+        </p:nvSpPr>
+        <p:spPr>
+          <a:xfrm>
+            <a:off x="6672987" y="2128012"/>
+            <a:ext cx="284052" cy="307777"/>
+          </a:xfrm>
+          <a:prstGeom prst="rect">
+            <a:avLst/>
+          </a:prstGeom>
+          <a:noFill/>
+        </p:spPr>
+        <p:txBody>
+          <a:bodyPr wrap="none" rtlCol="0">
+            <a:spAutoFit/>
+          </a:bodyPr>
+          <a:lstStyle/>
+          <a:p>
+            <a:r>
+              <a:rPr lang="en-IN" b="1" dirty="0" smtClean="0"/>
+              <a:t>1</a:t>
+            </a:r>
+            <a:endParaRPr lang="en-US" b="1" dirty="0"/>
+          </a:p>
+        </p:txBody>
+      </p:sp>
+      <p:sp>
+        <p:nvSpPr>
+          <p:cNvPr id="17" name="TextBox 16"/>
+          <p:cNvSpPr txBox="1"/>
+          <p:nvPr/>
+        </p:nvSpPr>
+        <p:spPr>
+          <a:xfrm>
+            <a:off x="7197637" y="1447569"/>
+            <a:ext cx="284052" cy="307777"/>
+          </a:xfrm>
+          <a:prstGeom prst="rect">
+            <a:avLst/>
+          </a:prstGeom>
+          <a:noFill/>
+        </p:spPr>
+        <p:txBody>
+          <a:bodyPr wrap="none" rtlCol="0">
+            <a:spAutoFit/>
+          </a:bodyPr>
+          <a:lstStyle/>
+          <a:p>
+            <a:r>
+              <a:rPr lang="en-IN" b="1" dirty="0" smtClean="0"/>
+              <a:t>6</a:t>
+            </a:r>
+            <a:endParaRPr lang="en-US" b="1" dirty="0"/>
+          </a:p>
+        </p:txBody>
+      </p:sp>
+      <p:sp>
+        <p:nvSpPr>
+          <p:cNvPr id="18" name="TextBox 17"/>
+          <p:cNvSpPr txBox="1"/>
+          <p:nvPr/>
+        </p:nvSpPr>
+        <p:spPr>
+          <a:xfrm>
+            <a:off x="7789929" y="1755346"/>
+            <a:ext cx="284052" cy="307777"/>
+          </a:xfrm>
+          <a:prstGeom prst="rect">
+            <a:avLst/>
+          </a:prstGeom>
+          <a:noFill/>
+        </p:spPr>
+        <p:txBody>
+          <a:bodyPr wrap="none" rtlCol="0">
+            <a:spAutoFit/>
+          </a:bodyPr>
+          <a:lstStyle/>
+          <a:p>
+            <a:r>
+              <a:rPr lang="en-IN" b="1" dirty="0" smtClean="0"/>
+              <a:t>2</a:t>
+            </a:r>
+            <a:endParaRPr lang="en-US" b="1" dirty="0"/>
+          </a:p>
+        </p:txBody>
+      </p:sp>
+      <p:sp>
+        <p:nvSpPr>
+          <p:cNvPr id="19" name="TextBox 18"/>
+          <p:cNvSpPr txBox="1"/>
+          <p:nvPr/>
+        </p:nvSpPr>
+        <p:spPr>
+          <a:xfrm>
+            <a:off x="8371159" y="3272378"/>
+            <a:ext cx="383438" cy="307777"/>
+          </a:xfrm>
+          <a:prstGeom prst="rect">
+            <a:avLst/>
+          </a:prstGeom>
+          <a:noFill/>
+        </p:spPr>
+        <p:txBody>
+          <a:bodyPr wrap="none" rtlCol="0">
+            <a:spAutoFit/>
+          </a:bodyPr>
+          <a:lstStyle/>
+          <a:p>
+            <a:r>
+              <a:rPr lang="en-IN" b="1" dirty="0" smtClean="0"/>
+              <a:t>11</a:t>
+            </a:r>
+            <a:endParaRPr lang="en-US" b="1" dirty="0"/>
+          </a:p>
+        </p:txBody>
+      </p:sp>
     </p:spTree>
     <p:extLst>
       <p:ext uri="{BB962C8B-B14F-4D97-AF65-F5344CB8AC3E}">
@@ -11579,6 +11995,426 @@
           </a:prstGeom>
         </p:spPr>
       </p:pic>
+      <p:sp>
+        <p:nvSpPr>
+          <p:cNvPr id="4" name="TextBox 3"/>
+          <p:cNvSpPr txBox="1"/>
+          <p:nvPr/>
+        </p:nvSpPr>
+        <p:spPr>
+          <a:xfrm>
+            <a:off x="814181" y="2908205"/>
+            <a:ext cx="383438" cy="307777"/>
+          </a:xfrm>
+          <a:prstGeom prst="rect">
+            <a:avLst/>
+          </a:prstGeom>
+          <a:noFill/>
+        </p:spPr>
+        <p:txBody>
+          <a:bodyPr wrap="none" rtlCol="0">
+            <a:spAutoFit/>
+          </a:bodyPr>
+          <a:lstStyle/>
+          <a:p>
+            <a:r>
+              <a:rPr lang="en-IN" b="1" dirty="0" smtClean="0"/>
+              <a:t>13</a:t>
+            </a:r>
+            <a:endParaRPr lang="en-US" b="1" dirty="0"/>
+          </a:p>
+        </p:txBody>
+      </p:sp>
+      <p:sp>
+        <p:nvSpPr>
+          <p:cNvPr id="5" name="TextBox 4"/>
+          <p:cNvSpPr txBox="1"/>
+          <p:nvPr/>
+        </p:nvSpPr>
+        <p:spPr>
+          <a:xfrm>
+            <a:off x="1419198" y="1134406"/>
+            <a:ext cx="284052" cy="307777"/>
+          </a:xfrm>
+          <a:prstGeom prst="rect">
+            <a:avLst/>
+          </a:prstGeom>
+          <a:noFill/>
+        </p:spPr>
+        <p:txBody>
+          <a:bodyPr wrap="none" rtlCol="0">
+            <a:spAutoFit/>
+          </a:bodyPr>
+          <a:lstStyle/>
+          <a:p>
+            <a:r>
+              <a:rPr lang="en-IN" b="1" dirty="0" smtClean="0"/>
+              <a:t>3</a:t>
+            </a:r>
+            <a:endParaRPr lang="en-US" b="1" dirty="0"/>
+          </a:p>
+        </p:txBody>
+      </p:sp>
+      <p:sp>
+        <p:nvSpPr>
+          <p:cNvPr id="6" name="TextBox 5"/>
+          <p:cNvSpPr txBox="1"/>
+          <p:nvPr/>
+        </p:nvSpPr>
+        <p:spPr>
+          <a:xfrm>
+            <a:off x="1969212" y="2337565"/>
+            <a:ext cx="383438" cy="307777"/>
+          </a:xfrm>
+          <a:prstGeom prst="rect">
+            <a:avLst/>
+          </a:prstGeom>
+          <a:noFill/>
+        </p:spPr>
+        <p:txBody>
+          <a:bodyPr wrap="none" rtlCol="0">
+            <a:spAutoFit/>
+          </a:bodyPr>
+          <a:lstStyle/>
+          <a:p>
+            <a:r>
+              <a:rPr lang="en-IN" b="1" dirty="0" smtClean="0"/>
+              <a:t>16</a:t>
+            </a:r>
+            <a:endParaRPr lang="en-US" b="1" dirty="0"/>
+          </a:p>
+        </p:txBody>
+      </p:sp>
+      <p:sp>
+        <p:nvSpPr>
+          <p:cNvPr id="7" name="TextBox 6"/>
+          <p:cNvSpPr txBox="1"/>
+          <p:nvPr/>
+        </p:nvSpPr>
+        <p:spPr>
+          <a:xfrm>
+            <a:off x="2539853" y="2183676"/>
+            <a:ext cx="284052" cy="307777"/>
+          </a:xfrm>
+          <a:prstGeom prst="rect">
+            <a:avLst/>
+          </a:prstGeom>
+          <a:noFill/>
+        </p:spPr>
+        <p:txBody>
+          <a:bodyPr wrap="none" rtlCol="0">
+            <a:spAutoFit/>
+          </a:bodyPr>
+          <a:lstStyle/>
+          <a:p>
+            <a:r>
+              <a:rPr lang="en-IN" b="1" dirty="0" smtClean="0"/>
+              <a:t>2</a:t>
+            </a:r>
+            <a:endParaRPr lang="en-US" b="1" dirty="0"/>
+          </a:p>
+        </p:txBody>
+      </p:sp>
+      <p:sp>
+        <p:nvSpPr>
+          <p:cNvPr id="8" name="TextBox 7"/>
+          <p:cNvSpPr txBox="1"/>
+          <p:nvPr/>
+        </p:nvSpPr>
+        <p:spPr>
+          <a:xfrm>
+            <a:off x="3076118" y="1134405"/>
+            <a:ext cx="383438" cy="307777"/>
+          </a:xfrm>
+          <a:prstGeom prst="rect">
+            <a:avLst/>
+          </a:prstGeom>
+          <a:noFill/>
+        </p:spPr>
+        <p:txBody>
+          <a:bodyPr wrap="none" rtlCol="0">
+            <a:spAutoFit/>
+          </a:bodyPr>
+          <a:lstStyle/>
+          <a:p>
+            <a:r>
+              <a:rPr lang="en-IN" b="1" dirty="0" smtClean="0"/>
+              <a:t>28</a:t>
+            </a:r>
+            <a:endParaRPr lang="en-US" b="1" dirty="0"/>
+          </a:p>
+        </p:txBody>
+      </p:sp>
+      <p:sp>
+        <p:nvSpPr>
+          <p:cNvPr id="9" name="TextBox 8"/>
+          <p:cNvSpPr txBox="1"/>
+          <p:nvPr/>
+        </p:nvSpPr>
+        <p:spPr>
+          <a:xfrm>
+            <a:off x="3681135" y="2754316"/>
+            <a:ext cx="284052" cy="307777"/>
+          </a:xfrm>
+          <a:prstGeom prst="rect">
+            <a:avLst/>
+          </a:prstGeom>
+          <a:noFill/>
+        </p:spPr>
+        <p:txBody>
+          <a:bodyPr wrap="none" rtlCol="0">
+            <a:spAutoFit/>
+          </a:bodyPr>
+          <a:lstStyle/>
+          <a:p>
+            <a:r>
+              <a:rPr lang="en-IN" b="1" dirty="0" smtClean="0"/>
+              <a:t>1</a:t>
+            </a:r>
+            <a:endParaRPr lang="en-US" b="1" dirty="0"/>
+          </a:p>
+        </p:txBody>
+      </p:sp>
+      <p:sp>
+        <p:nvSpPr>
+          <p:cNvPr id="10" name="TextBox 9"/>
+          <p:cNvSpPr txBox="1"/>
+          <p:nvPr/>
+        </p:nvSpPr>
+        <p:spPr>
+          <a:xfrm>
+            <a:off x="4327402" y="391886"/>
+            <a:ext cx="383438" cy="307777"/>
+          </a:xfrm>
+          <a:prstGeom prst="rect">
+            <a:avLst/>
+          </a:prstGeom>
+          <a:noFill/>
+        </p:spPr>
+        <p:txBody>
+          <a:bodyPr wrap="none" rtlCol="0">
+            <a:spAutoFit/>
+          </a:bodyPr>
+          <a:lstStyle/>
+          <a:p>
+            <a:r>
+              <a:rPr lang="en-IN" b="1" dirty="0" smtClean="0"/>
+              <a:t>18</a:t>
+            </a:r>
+            <a:endParaRPr lang="en-US" b="1" dirty="0"/>
+          </a:p>
+        </p:txBody>
+      </p:sp>
+      <p:sp>
+        <p:nvSpPr>
+          <p:cNvPr id="11" name="TextBox 10"/>
+          <p:cNvSpPr txBox="1"/>
+          <p:nvPr/>
+        </p:nvSpPr>
+        <p:spPr>
+          <a:xfrm>
+            <a:off x="4867228" y="3046737"/>
+            <a:ext cx="284052" cy="307777"/>
+          </a:xfrm>
+          <a:prstGeom prst="rect">
+            <a:avLst/>
+          </a:prstGeom>
+          <a:noFill/>
+        </p:spPr>
+        <p:txBody>
+          <a:bodyPr wrap="none" rtlCol="0">
+            <a:spAutoFit/>
+          </a:bodyPr>
+          <a:lstStyle/>
+          <a:p>
+            <a:r>
+              <a:rPr lang="en-IN" b="1" dirty="0" smtClean="0"/>
+              <a:t>1</a:t>
+            </a:r>
+            <a:endParaRPr lang="en-US" b="1" dirty="0"/>
+          </a:p>
+        </p:txBody>
+      </p:sp>
+      <p:sp>
+        <p:nvSpPr>
+          <p:cNvPr id="12" name="TextBox 11"/>
+          <p:cNvSpPr txBox="1"/>
+          <p:nvPr/>
+        </p:nvSpPr>
+        <p:spPr>
+          <a:xfrm>
+            <a:off x="5444743" y="2645342"/>
+            <a:ext cx="284052" cy="307777"/>
+          </a:xfrm>
+          <a:prstGeom prst="rect">
+            <a:avLst/>
+          </a:prstGeom>
+          <a:noFill/>
+        </p:spPr>
+        <p:txBody>
+          <a:bodyPr wrap="none" rtlCol="0">
+            <a:spAutoFit/>
+          </a:bodyPr>
+          <a:lstStyle/>
+          <a:p>
+            <a:r>
+              <a:rPr lang="en-IN" b="1" dirty="0" smtClean="0"/>
+              <a:t>1</a:t>
+            </a:r>
+            <a:endParaRPr lang="en-US" b="1" dirty="0"/>
+          </a:p>
+        </p:txBody>
+      </p:sp>
+      <p:sp>
+        <p:nvSpPr>
+          <p:cNvPr id="13" name="TextBox 12"/>
+          <p:cNvSpPr txBox="1"/>
+          <p:nvPr/>
+        </p:nvSpPr>
+        <p:spPr>
+          <a:xfrm>
+            <a:off x="6108986" y="2628707"/>
+            <a:ext cx="284052" cy="307777"/>
+          </a:xfrm>
+          <a:prstGeom prst="rect">
+            <a:avLst/>
+          </a:prstGeom>
+          <a:noFill/>
+        </p:spPr>
+        <p:txBody>
+          <a:bodyPr wrap="none" rtlCol="0">
+            <a:spAutoFit/>
+          </a:bodyPr>
+          <a:lstStyle/>
+          <a:p>
+            <a:r>
+              <a:rPr lang="en-IN" b="1" dirty="0" smtClean="0"/>
+              <a:t>3</a:t>
+            </a:r>
+            <a:endParaRPr lang="en-US" b="1" dirty="0"/>
+          </a:p>
+        </p:txBody>
+      </p:sp>
+      <p:sp>
+        <p:nvSpPr>
+          <p:cNvPr id="14" name="TextBox 13"/>
+          <p:cNvSpPr txBox="1"/>
+          <p:nvPr/>
+        </p:nvSpPr>
+        <p:spPr>
+          <a:xfrm>
+            <a:off x="6616028" y="2801864"/>
+            <a:ext cx="284052" cy="307777"/>
+          </a:xfrm>
+          <a:prstGeom prst="rect">
+            <a:avLst/>
+          </a:prstGeom>
+          <a:noFill/>
+        </p:spPr>
+        <p:txBody>
+          <a:bodyPr wrap="none" rtlCol="0">
+            <a:spAutoFit/>
+          </a:bodyPr>
+          <a:lstStyle/>
+          <a:p>
+            <a:r>
+              <a:rPr lang="en-IN" b="1" dirty="0" smtClean="0"/>
+              <a:t>1</a:t>
+            </a:r>
+            <a:endParaRPr lang="en-US" b="1" dirty="0"/>
+          </a:p>
+        </p:txBody>
+      </p:sp>
+      <p:sp>
+        <p:nvSpPr>
+          <p:cNvPr id="15" name="TextBox 14"/>
+          <p:cNvSpPr txBox="1"/>
+          <p:nvPr/>
+        </p:nvSpPr>
+        <p:spPr>
+          <a:xfrm>
+            <a:off x="7235606" y="1875899"/>
+            <a:ext cx="284052" cy="307777"/>
+          </a:xfrm>
+          <a:prstGeom prst="rect">
+            <a:avLst/>
+          </a:prstGeom>
+          <a:noFill/>
+        </p:spPr>
+        <p:txBody>
+          <a:bodyPr wrap="none" rtlCol="0">
+            <a:spAutoFit/>
+          </a:bodyPr>
+          <a:lstStyle/>
+          <a:p>
+            <a:r>
+              <a:rPr lang="en-IN" b="1" dirty="0"/>
+              <a:t>6</a:t>
+            </a:r>
+            <a:endParaRPr lang="en-US" b="1" dirty="0"/>
+          </a:p>
+        </p:txBody>
+      </p:sp>
+      <p:sp>
+        <p:nvSpPr>
+          <p:cNvPr id="17" name="TextBox 16"/>
+          <p:cNvSpPr txBox="1"/>
+          <p:nvPr/>
+        </p:nvSpPr>
+        <p:spPr>
+          <a:xfrm>
+            <a:off x="7778747" y="2147695"/>
+            <a:ext cx="284052" cy="307777"/>
+          </a:xfrm>
+          <a:prstGeom prst="rect">
+            <a:avLst/>
+          </a:prstGeom>
+          <a:noFill/>
+        </p:spPr>
+        <p:txBody>
+          <a:bodyPr wrap="none" rtlCol="0">
+            <a:spAutoFit/>
+          </a:bodyPr>
+          <a:lstStyle/>
+          <a:p>
+            <a:r>
+              <a:rPr lang="en-IN" b="1" dirty="0" smtClean="0"/>
+              <a:t>2</a:t>
+            </a:r>
+            <a:endParaRPr lang="en-US" b="1" dirty="0"/>
+          </a:p>
+        </p:txBody>
+      </p:sp>
+      <p:sp>
+        <p:nvSpPr>
+          <p:cNvPr id="18" name="TextBox 17"/>
+          <p:cNvSpPr txBox="1"/>
+          <p:nvPr/>
+        </p:nvSpPr>
+        <p:spPr>
+          <a:xfrm>
+            <a:off x="8308136" y="3410094"/>
+            <a:ext cx="383438" cy="307777"/>
+          </a:xfrm>
+          <a:prstGeom prst="rect">
+            <a:avLst/>
+          </a:prstGeom>
+          <a:noFill/>
+        </p:spPr>
+        <p:txBody>
+          <a:bodyPr wrap="none" rtlCol="0">
+            <a:spAutoFit/>
+          </a:bodyPr>
+          <a:lstStyle/>
+          <a:p>
+            <a:r>
+              <a:rPr lang="en-IN" b="1" dirty="0" smtClean="0"/>
+              <a:t>11</a:t>
+            </a:r>
+            <a:endParaRPr lang="en-US" b="1" dirty="0"/>
+          </a:p>
+        </p:txBody>
+      </p:sp>
     </p:spTree>
     <p:extLst>
       <p:ext uri="{BB962C8B-B14F-4D97-AF65-F5344CB8AC3E}">
@@ -11700,6 +12536,27 @@
               </a:spcBef>
               <a:buNone/>
             </a:pPr>
+            <a:endParaRPr lang="en" sz="1400" dirty="0" smtClean="0"/>
+          </a:p>
+          <a:p>
+            <a:pPr marL="457200" lvl="0" indent="-228600" rtl="0">
+              <a:spcBef>
+                <a:spcPts val="0"/>
+              </a:spcBef>
+            </a:pPr>
+            <a:r>
+              <a:rPr lang="en" sz="1400" dirty="0" smtClean="0"/>
+              <a:t>But, we would like to warn the residents that quite a lot of crimes occur in cluster 2; so it is always better to keep your guard on when in that area!</a:t>
+            </a:r>
+            <a:endParaRPr lang="en" sz="1400" dirty="0" smtClean="0"/>
+          </a:p>
+          <a:p>
+            <a:pPr marL="228600" lvl="0" rtl="0">
+              <a:spcBef>
+                <a:spcPts val="0"/>
+              </a:spcBef>
+              <a:buNone/>
+            </a:pPr>
             <a:endParaRPr lang="en" sz="1400" dirty="0"/>
           </a:p>
           <a:p>
@@ -12342,11 +13199,7 @@
             </a:pPr>
             <a:r>
               <a:rPr lang="en" dirty="0" smtClean="0"/>
-              <a:t>The </a:t>
-            </a:r>
-            <a:r>
-              <a:rPr lang="en" dirty="0" smtClean="0"/>
-              <a:t>data set obtained from dc.gov website had a few outliers</a:t>
+              <a:t>The data set obtained from dc.gov website had a few outliers</a:t>
             </a:r>
             <a:r>
               <a:rPr lang="en" dirty="0"/>
@@ -12415,11 +13268,7 @@
             </a:pPr>
             <a:r>
               <a:rPr lang="en" dirty="0" smtClean="0"/>
-              <a:t>It </a:t>
-            </a:r>
-            <a:r>
-              <a:rPr lang="en" dirty="0" smtClean="0"/>
-              <a:t>was mostly clean. However, there were certain days which were mentioned as holidays in one year but not in others. </a:t>
+              <a:t>It was mostly clean. However, there were certain days which were mentioned as holidays in one year but not in others. </a:t>
             </a:r>
             <a:endParaRPr lang="en" dirty="0"/>
           </a:p>
@@ -12883,7 +13732,6 @@
               <a:rPr lang="en" sz="1400" dirty="0" smtClean="0"/>
               <a:t>website</a:t>
             </a:r>
-            <a:endParaRPr lang="en" sz="1400" dirty="0" smtClean="0"/>
           </a:p>
           <a:p>
             <a:pPr lvl="0">
@@ -15296,27 +16144,7 @@
                 <a:latin typeface="Raleway" panose="020B0604020202020204" charset="0"/>
                 <a:cs typeface="Arial" panose="020B0604020202020204" pitchFamily="34" charset="0"/>
               </a:rPr>
-              <a:t>Temperature (</a:t>
-            </a:r>
-            <a:r>
-              <a:rPr lang="en-US" altLang="zh-CN" sz="1400" dirty="0" smtClean="0">
-                <a:solidFill>
-                  <a:schemeClr val="bg1"/>
-                </a:solidFill>
-                <a:latin typeface="Raleway" panose="020B0604020202020204" charset="0"/>
-                <a:cs typeface="Arial" panose="020B0604020202020204" pitchFamily="34" charset="0"/>
-              </a:rPr>
-              <a:t>Maximum, </a:t>
-            </a:r>
-            <a:r>
-              <a:rPr lang="en-US" altLang="zh-CN" sz="1400" dirty="0" smtClean="0">
-                <a:solidFill>
-                  <a:schemeClr val="bg1"/>
-                </a:solidFill>
-                <a:latin typeface="Raleway" panose="020B0604020202020204" charset="0"/>
-                <a:cs typeface="Arial" panose="020B0604020202020204" pitchFamily="34" charset="0"/>
-              </a:rPr>
-              <a:t>Minimum) in ˚F</a:t>
+              <a:t>Temperature (Maximum, Minimum) in ˚F</a:t>
             </a:r>
             <a:endParaRPr lang="en-US" altLang="zh-CN" sz="1400" dirty="0">
               <a:solidFill>
@@ -16162,8 +16990,16 @@
                 <a:ea typeface="宋体" panose="02010600030101010101" pitchFamily="2" charset="-122"/>
                 <a:cs typeface="Times New Roman" panose="02020603050405020304" pitchFamily="18" charset="0"/>
               </a:rPr>
-              <a:t>degree.</a:t>
-            </a:r>
+              <a:t>degree; number of crime cases would reach the peak.</a:t>
+            </a:r>
+            <a:endParaRPr lang="en-US" altLang="zh-CN" sz="1400" kern="100" dirty="0" smtClean="0">
+              <a:solidFill>
+                <a:schemeClr val="bg1"/>
+              </a:solidFill>
+              <a:latin typeface="Raleway" panose="020B0604020202020204" charset="0"/>
+              <a:ea typeface="宋体" panose="02010600030101010101" pitchFamily="2" charset="-122"/>
+              <a:cs typeface="Times New Roman" panose="02020603050405020304" pitchFamily="18" charset="0"/>
+            </a:endParaRPr>
           </a:p>
           <a:p>
             <a:pPr>
@@ -16247,27 +17083,8 @@
                 <a:ea typeface="宋体" panose="02010600030101010101" pitchFamily="2" charset="-122"/>
                 <a:cs typeface="Times New Roman" panose="02020603050405020304" pitchFamily="18" charset="0"/>
               </a:rPr>
-              <a:t>degree.</a:t>
-            </a:r>
-          </a:p>
-          <a:p>
-            <a:pPr>
-              <a:buNone/>
-            </a:pPr>
-            <a:endParaRPr lang="en-US" altLang="zh-CN" sz="1400" kern="100" dirty="0">
-              <a:solidFill>
-                <a:schemeClr val="bg1"/>
-              </a:solidFill>
-              <a:latin typeface="Raleway" panose="020B0604020202020204" charset="0"/>
-              <a:ea typeface="宋体" panose="02010600030101010101" pitchFamily="2" charset="-122"/>
-              <a:cs typeface="Times New Roman" panose="02020603050405020304" pitchFamily="18" charset="0"/>
-            </a:endParaRPr>
-          </a:p>
-          <a:p>
-            <a:pPr marL="285750" indent="-285750">
-              <a:buFont typeface="Arial" panose="020B0604020202020204" pitchFamily="34" charset="0"/>
-              <a:buChar char="•"/>
-            </a:pPr>
+              <a:t>degree; number </a:t>
+            </a:r>
             <a:r>
               <a:rPr lang="en-US" altLang="zh-CN" sz="1400" kern="100" dirty="0">
                 <a:solidFill>
@@ -16277,7 +17094,7 @@
                 <a:ea typeface="宋体" panose="02010600030101010101" pitchFamily="2" charset="-122"/>
                 <a:cs typeface="Times New Roman" panose="02020603050405020304" pitchFamily="18" charset="0"/>
               </a:rPr>
-              <a:t>The number of crime cases would reach the </a:t>
+              <a:t>of crime cases would reach the </a:t>
             </a:r>
             <a:r>
               <a:rPr lang="en-US" altLang="zh-CN" sz="1400" kern="100" dirty="0" smtClean="0">

--- a/INFM600_0201_Exceptional_Presentation/INFM600_0201_TeamExceptional_Presentation.pptx
+++ b/INFM600_0201_Exceptional_Presentation/INFM600_0201_TeamExceptional_Presentation.pptx
@@ -15258,8 +15258,13 @@
           <a:p>
             <a:r>
               <a:rPr lang="en-IN" dirty="0" smtClean="0"/>
-              <a:t> People should take care while going out during summers</a:t>
-            </a:r>
+              <a:t> People should take care while going out during </a:t>
+            </a:r>
+            <a:r>
+              <a:rPr lang="en-IN" dirty="0" smtClean="0"/>
+              <a:t>summers </a:t>
+            </a:r>
+            <a:endParaRPr lang="en-IN" dirty="0" smtClean="0"/>
           </a:p>
           <a:p>
             <a:pPr>
@@ -15274,8 +15279,17 @@
             </a:r>
             <a:r>
               <a:rPr lang="en-IN" dirty="0" smtClean="0"/>
-              <a:t>Despite the statistics for DC suggesting no relation between the nightclubs and crimes, it is always better to keep an eye out</a:t>
-            </a:r>
+              <a:t>Despite the statistics for DC suggesting no relation between the nightclubs and crimes, it is always better to keep an eye </a:t>
+            </a:r>
+            <a:r>
+              <a:rPr lang="en-IN" dirty="0" smtClean="0"/>
+              <a:t>out especially when in cluster 2: Columbia Heights, Park View, Mt. Pleasant, </a:t>
+            </a:r>
+            <a:r>
+              <a:rPr lang="en-IN" smtClean="0"/>
+              <a:t>Pleasant Plains</a:t>
+            </a:r>
+            <a:endParaRPr lang="en-IN" dirty="0" smtClean="0"/>
           </a:p>
           <a:p>
             <a:pPr>
